--- a/STT465_12.pptx
+++ b/STT465_12.pptx
@@ -209,7 +209,7 @@
             <a:fld id="{EC2AD4C0-0FC1-44D9-A720-D776D6428221}" type="datetimeFigureOut">
               <a:rPr lang="en-US" smtClean="0"/>
               <a:pPr/>
-              <a:t>11/9/15</a:t>
+              <a:t>11/16/15</a:t>
             </a:fld>
             <a:endParaRPr lang="en-US"/>
           </a:p>
@@ -1564,7 +1564,7 @@
             <a:fld id="{F9C811E6-0209-4075-80E7-F5953C8ECEE3}" type="datetime1">
               <a:rPr lang="en-US" smtClean="0"/>
               <a:pPr/>
-              <a:t>11/9/15</a:t>
+              <a:t>11/16/15</a:t>
             </a:fld>
             <a:endParaRPr lang="en-US"/>
           </a:p>
@@ -1735,7 +1735,7 @@
             <a:fld id="{648E6BB1-E6D9-4EE7-828F-046F7223761D}" type="datetime1">
               <a:rPr lang="en-US" smtClean="0"/>
               <a:pPr/>
-              <a:t>11/9/15</a:t>
+              <a:t>11/16/15</a:t>
             </a:fld>
             <a:endParaRPr lang="en-US"/>
           </a:p>
@@ -1916,7 +1916,7 @@
             <a:fld id="{B4B9C580-A780-4D76-B2D1-C34F1DA97DF0}" type="datetime1">
               <a:rPr lang="en-US" smtClean="0"/>
               <a:pPr/>
-              <a:t>11/9/15</a:t>
+              <a:t>11/16/15</a:t>
             </a:fld>
             <a:endParaRPr lang="en-US"/>
           </a:p>
@@ -2087,7 +2087,7 @@
             <a:fld id="{EB19DDAF-3255-4785-974C-BB4FAF02D67E}" type="datetime1">
               <a:rPr lang="en-US" smtClean="0"/>
               <a:pPr/>
-              <a:t>11/9/15</a:t>
+              <a:t>11/16/15</a:t>
             </a:fld>
             <a:endParaRPr lang="en-US"/>
           </a:p>
@@ -2334,7 +2334,7 @@
             <a:fld id="{C344AF86-11D1-4E84-BA60-17130236FDAA}" type="datetime1">
               <a:rPr lang="en-US" smtClean="0"/>
               <a:pPr/>
-              <a:t>11/9/15</a:t>
+              <a:t>11/16/15</a:t>
             </a:fld>
             <a:endParaRPr lang="en-US"/>
           </a:p>
@@ -2623,7 +2623,7 @@
             <a:fld id="{A8DD670F-7E07-4783-A6F8-B28127B5AF4A}" type="datetime1">
               <a:rPr lang="en-US" smtClean="0"/>
               <a:pPr/>
-              <a:t>11/9/15</a:t>
+              <a:t>11/16/15</a:t>
             </a:fld>
             <a:endParaRPr lang="en-US"/>
           </a:p>
@@ -3046,7 +3046,7 @@
             <a:fld id="{92676DD9-688F-48EE-8233-B3B78BDDA63D}" type="datetime1">
               <a:rPr lang="en-US" smtClean="0"/>
               <a:pPr/>
-              <a:t>11/9/15</a:t>
+              <a:t>11/16/15</a:t>
             </a:fld>
             <a:endParaRPr lang="en-US"/>
           </a:p>
@@ -3165,7 +3165,7 @@
             <a:fld id="{F6CC4A83-AE34-48B8-B90E-70388FDBF0F7}" type="datetime1">
               <a:rPr lang="en-US" smtClean="0"/>
               <a:pPr/>
-              <a:t>11/9/15</a:t>
+              <a:t>11/16/15</a:t>
             </a:fld>
             <a:endParaRPr lang="en-US"/>
           </a:p>
@@ -3261,7 +3261,7 @@
             <a:fld id="{510CA3E2-9601-488E-B92B-23013819BD02}" type="datetime1">
               <a:rPr lang="en-US" smtClean="0"/>
               <a:pPr/>
-              <a:t>11/9/15</a:t>
+              <a:t>11/16/15</a:t>
             </a:fld>
             <a:endParaRPr lang="en-US"/>
           </a:p>
@@ -3539,7 +3539,7 @@
             <a:fld id="{331F1CBD-358A-4E18-86FD-C337233E15F0}" type="datetime1">
               <a:rPr lang="en-US" smtClean="0"/>
               <a:pPr/>
-              <a:t>11/9/15</a:t>
+              <a:t>11/16/15</a:t>
             </a:fld>
             <a:endParaRPr lang="en-US"/>
           </a:p>
@@ -3793,7 +3793,7 @@
             <a:fld id="{3CB4F0D5-901F-4458-A8F8-F062616694B4}" type="datetime1">
               <a:rPr lang="en-US" smtClean="0"/>
               <a:pPr/>
-              <a:t>11/9/15</a:t>
+              <a:t>11/16/15</a:t>
             </a:fld>
             <a:endParaRPr lang="en-US"/>
           </a:p>
@@ -4007,7 +4007,7 @@
             <a:fld id="{F77D84EF-BDBF-448B-906E-D51D4CAF22DC}" type="datetime1">
               <a:rPr lang="en-US" smtClean="0"/>
               <a:pPr/>
-              <a:t>11/9/15</a:t>
+              <a:t>11/16/15</a:t>
             </a:fld>
             <a:endParaRPr lang="en-US"/>
           </a:p>
@@ -4522,7 +4522,7 @@
         <p:spPr>
           <a:xfrm>
             <a:off x="990600" y="1981200"/>
-            <a:ext cx="7620000" cy="2308324"/>
+            <a:ext cx="7620000" cy="1569660"/>
           </a:xfrm>
           <a:prstGeom prst="rect">
             <a:avLst/>
@@ -4587,36 +4587,21 @@
                   <a:schemeClr val="tx2"/>
                 </a:solidFill>
               </a:rPr>
-              <a:t>Gibbs sampler I</a:t>
-            </a:r>
-          </a:p>
-          <a:p>
-            <a:pPr marL="342900" indent="-342900">
-              <a:buFontTx/>
-              <a:buChar char="-"/>
-            </a:pPr>
+              <a:t>Gibbs </a:t>
+            </a:r>
             <a:r>
               <a:rPr lang="en-US" sz="2400" dirty="0" smtClean="0">
                 <a:solidFill>
                   <a:schemeClr val="tx2"/>
                 </a:solidFill>
               </a:rPr>
-              <a:t>Fully conditional distribution of single effects</a:t>
-            </a:r>
-          </a:p>
-          <a:p>
-            <a:pPr marL="342900" indent="-342900">
-              <a:buFontTx/>
-              <a:buChar char="-"/>
-            </a:pPr>
-            <a:r>
-              <a:rPr lang="en-US" sz="2400" dirty="0" smtClean="0">
-                <a:solidFill>
-                  <a:schemeClr val="tx2"/>
-                </a:solidFill>
-              </a:rPr>
-              <a:t>Gibbs sampler II</a:t>
-            </a:r>
+              <a:t>sampler</a:t>
+            </a:r>
+            <a:endParaRPr lang="en-US" sz="2400" dirty="0" smtClean="0">
+              <a:solidFill>
+                <a:schemeClr val="tx2"/>
+              </a:solidFill>
+            </a:endParaRPr>
           </a:p>
         </p:txBody>
       </p:sp>
@@ -4970,13 +4955,6 @@
               </a:rPr>
               <a:t>     </a:t>
             </a:r>
-            <a:endParaRPr lang="en-US" dirty="0" smtClean="0">
-              <a:solidFill>
-                <a:schemeClr val="accent1">
-                  <a:lumMod val="75000"/>
-                </a:schemeClr>
-              </a:solidFill>
-            </a:endParaRPr>
           </a:p>
           <a:p>
             <a:endParaRPr lang="en-US" dirty="0">
@@ -5038,7 +5016,7 @@
           <a:graphicData uri="http://schemas.openxmlformats.org/presentationml/2006/ole">
             <mc:AlternateContent xmlns:mc="http://schemas.openxmlformats.org/markup-compatibility/2006">
               <mc:Choice xmlns:v="urn:schemas-microsoft-com:vml" Requires="v">
-                <p:oleObj spid="_x0000_s38916" name="Equation" r:id="rId4" imgW="673100" imgH="203200" progId="Equation.3">
+                <p:oleObj spid="_x0000_s38920" name="Equation" r:id="rId4" imgW="673100" imgH="203200" progId="Equation.3">
                   <p:embed/>
                 </p:oleObj>
               </mc:Choice>
@@ -5095,7 +5073,7 @@
           <a:graphicData uri="http://schemas.openxmlformats.org/presentationml/2006/ole">
             <mc:AlternateContent xmlns:mc="http://schemas.openxmlformats.org/markup-compatibility/2006">
               <mc:Choice xmlns:v="urn:schemas-microsoft-com:vml" Requires="v">
-                <p:oleObj spid="_x0000_s38917" name="Equation" r:id="rId6" imgW="4483100" imgH="736600" progId="Equation.3">
+                <p:oleObj spid="_x0000_s38921" name="Equation" r:id="rId6" imgW="4483100" imgH="736600" progId="Equation.3">
                   <p:embed/>
                 </p:oleObj>
               </mc:Choice>
@@ -5152,7 +5130,7 @@
           <a:graphicData uri="http://schemas.openxmlformats.org/presentationml/2006/ole">
             <mc:AlternateContent xmlns:mc="http://schemas.openxmlformats.org/markup-compatibility/2006">
               <mc:Choice xmlns:v="urn:schemas-microsoft-com:vml" Requires="v">
-                <p:oleObj spid="_x0000_s38918" name="Equation" r:id="rId8" imgW="3390900" imgH="1549400" progId="Equation.3">
+                <p:oleObj spid="_x0000_s38922" name="Equation" r:id="rId8" imgW="3390900" imgH="1549400" progId="Equation.3">
                   <p:embed/>
                 </p:oleObj>
               </mc:Choice>
@@ -5511,13 +5489,6 @@
               </a:rPr>
               <a:t>     </a:t>
             </a:r>
-            <a:endParaRPr lang="en-US" dirty="0" smtClean="0">
-              <a:solidFill>
-                <a:schemeClr val="accent1">
-                  <a:lumMod val="75000"/>
-                </a:schemeClr>
-              </a:solidFill>
-            </a:endParaRPr>
           </a:p>
           <a:p>
             <a:endParaRPr lang="en-US" dirty="0">
@@ -5579,7 +5550,7 @@
           <a:graphicData uri="http://schemas.openxmlformats.org/presentationml/2006/ole">
             <mc:AlternateContent xmlns:mc="http://schemas.openxmlformats.org/markup-compatibility/2006">
               <mc:Choice xmlns:v="urn:schemas-microsoft-com:vml" Requires="v">
-                <p:oleObj spid="_x0000_s39940" name="Equation" r:id="rId4" imgW="673100" imgH="203200" progId="Equation.3">
+                <p:oleObj spid="_x0000_s39943" name="Equation" r:id="rId4" imgW="673100" imgH="203200" progId="Equation.3">
                   <p:embed/>
                 </p:oleObj>
               </mc:Choice>
@@ -5636,7 +5607,7 @@
           <a:graphicData uri="http://schemas.openxmlformats.org/presentationml/2006/ole">
             <mc:AlternateContent xmlns:mc="http://schemas.openxmlformats.org/markup-compatibility/2006">
               <mc:Choice xmlns:v="urn:schemas-microsoft-com:vml" Requires="v">
-                <p:oleObj spid="_x0000_s39941" name="Equation" r:id="rId6" imgW="3162300" imgH="1524000" progId="Equation.3">
+                <p:oleObj spid="_x0000_s39944" name="Equation" r:id="rId6" imgW="3162300" imgH="1524000" progId="Equation.3">
                   <p:embed/>
                 </p:oleObj>
               </mc:Choice>
@@ -6021,17 +5992,7 @@
                   </a:schemeClr>
                 </a:solidFill>
               </a:rPr>
-              <a:t>Likelihood  (assumin</a:t>
-            </a:r>
-            <a:r>
-              <a:rPr lang="en-US" b="1" u="sng" dirty="0" smtClean="0">
-                <a:solidFill>
-                  <a:schemeClr val="accent1">
-                    <a:lumMod val="75000"/>
-                  </a:schemeClr>
-                </a:solidFill>
-              </a:rPr>
-              <a:t>g </a:t>
+              <a:t>Likelihood  (assuming </a:t>
             </a:r>
             <a:r>
               <a:rPr lang="en-US" b="1" u="sng" dirty="0" err="1" smtClean="0">
@@ -6179,7 +6140,7 @@
           <a:graphicData uri="http://schemas.openxmlformats.org/presentationml/2006/ole">
             <mc:AlternateContent xmlns:mc="http://schemas.openxmlformats.org/markup-compatibility/2006">
               <mc:Choice xmlns:v="urn:schemas-microsoft-com:vml" Requires="v">
-                <p:oleObj spid="_x0000_s1118" name="Equation" r:id="rId4" imgW="1092200" imgH="330200" progId="Equation.3">
+                <p:oleObj spid="_x0000_s1124" name="Equation" r:id="rId4" imgW="1092200" imgH="330200" progId="Equation.3">
                   <p:embed/>
                 </p:oleObj>
               </mc:Choice>
@@ -6236,7 +6197,7 @@
           <a:graphicData uri="http://schemas.openxmlformats.org/presentationml/2006/ole">
             <mc:AlternateContent xmlns:mc="http://schemas.openxmlformats.org/markup-compatibility/2006">
               <mc:Choice xmlns:v="urn:schemas-microsoft-com:vml" Requires="v">
-                <p:oleObj spid="_x0000_s1119" name="Equation" r:id="rId6" imgW="673100" imgH="203200" progId="Equation.3">
+                <p:oleObj spid="_x0000_s1125" name="Equation" r:id="rId6" imgW="673100" imgH="203200" progId="Equation.3">
                   <p:embed/>
                 </p:oleObj>
               </mc:Choice>
@@ -6293,7 +6254,7 @@
           <a:graphicData uri="http://schemas.openxmlformats.org/presentationml/2006/ole">
             <mc:AlternateContent xmlns:mc="http://schemas.openxmlformats.org/markup-compatibility/2006">
               <mc:Choice xmlns:v="urn:schemas-microsoft-com:vml" Requires="v">
-                <p:oleObj spid="_x0000_s1120" name="Equation" r:id="rId8" imgW="1371600" imgH="241300" progId="Equation.3">
+                <p:oleObj spid="_x0000_s1126" name="Equation" r:id="rId8" imgW="1371600" imgH="241300" progId="Equation.3">
                   <p:embed/>
                 </p:oleObj>
               </mc:Choice>
@@ -6350,7 +6311,7 @@
           <a:graphicData uri="http://schemas.openxmlformats.org/presentationml/2006/ole">
             <mc:AlternateContent xmlns:mc="http://schemas.openxmlformats.org/markup-compatibility/2006">
               <mc:Choice xmlns:v="urn:schemas-microsoft-com:vml" Requires="v">
-                <p:oleObj spid="_x0000_s1121" name="Equation" r:id="rId10" imgW="1054100" imgH="342900" progId="Equation.3">
+                <p:oleObj spid="_x0000_s1127" name="Equation" r:id="rId10" imgW="1054100" imgH="342900" progId="Equation.3">
                   <p:embed/>
                 </p:oleObj>
               </mc:Choice>
@@ -6407,7 +6368,7 @@
           <a:graphicData uri="http://schemas.openxmlformats.org/presentationml/2006/ole">
             <mc:AlternateContent xmlns:mc="http://schemas.openxmlformats.org/markup-compatibility/2006">
               <mc:Choice xmlns:v="urn:schemas-microsoft-com:vml" Requires="v">
-                <p:oleObj spid="_x0000_s1122" name="Equation" r:id="rId12" imgW="3937000" imgH="673100" progId="Equation.3">
+                <p:oleObj spid="_x0000_s1128" name="Equation" r:id="rId12" imgW="3937000" imgH="673100" progId="Equation.3">
                   <p:embed/>
                 </p:oleObj>
               </mc:Choice>
@@ -6813,7 +6774,7 @@
           <a:graphicData uri="http://schemas.openxmlformats.org/presentationml/2006/ole">
             <mc:AlternateContent xmlns:mc="http://schemas.openxmlformats.org/markup-compatibility/2006">
               <mc:Choice xmlns:v="urn:schemas-microsoft-com:vml" Requires="v">
-                <p:oleObj spid="_x0000_s28706" name="Equation" r:id="rId4" imgW="3822700" imgH="622300" progId="Equation.3">
+                <p:oleObj spid="_x0000_s28709" name="Equation" r:id="rId4" imgW="3822700" imgH="622300" progId="Equation.3">
                   <p:embed/>
                 </p:oleObj>
               </mc:Choice>
@@ -6870,7 +6831,7 @@
           <a:graphicData uri="http://schemas.openxmlformats.org/presentationml/2006/ole">
             <mc:AlternateContent xmlns:mc="http://schemas.openxmlformats.org/markup-compatibility/2006">
               <mc:Choice xmlns:v="urn:schemas-microsoft-com:vml" Requires="v">
-                <p:oleObj spid="_x0000_s28707" name="Equation" r:id="rId6" imgW="2844800" imgH="698500" progId="Equation.3">
+                <p:oleObj spid="_x0000_s28710" name="Equation" r:id="rId6" imgW="2844800" imgH="698500" progId="Equation.3">
                   <p:embed/>
                 </p:oleObj>
               </mc:Choice>
@@ -7302,7 +7263,7 @@
           <a:graphicData uri="http://schemas.openxmlformats.org/presentationml/2006/ole">
             <mc:AlternateContent xmlns:mc="http://schemas.openxmlformats.org/markup-compatibility/2006">
               <mc:Choice xmlns:v="urn:schemas-microsoft-com:vml" Requires="v">
-                <p:oleObj spid="_x0000_s30779" name="Equation" r:id="rId4" imgW="1562100" imgH="482600" progId="Equation.3">
+                <p:oleObj spid="_x0000_s30785" name="Equation" r:id="rId4" imgW="1562100" imgH="482600" progId="Equation.3">
                   <p:embed/>
                 </p:oleObj>
               </mc:Choice>
@@ -7359,7 +7320,7 @@
           <a:graphicData uri="http://schemas.openxmlformats.org/presentationml/2006/ole">
             <mc:AlternateContent xmlns:mc="http://schemas.openxmlformats.org/markup-compatibility/2006">
               <mc:Choice xmlns:v="urn:schemas-microsoft-com:vml" Requires="v">
-                <p:oleObj spid="_x0000_s30780" name="Equation" r:id="rId6" imgW="4000500" imgH="622300" progId="Equation.3">
+                <p:oleObj spid="_x0000_s30786" name="Equation" r:id="rId6" imgW="4000500" imgH="622300" progId="Equation.3">
                   <p:embed/>
                 </p:oleObj>
               </mc:Choice>
@@ -7416,7 +7377,7 @@
           <a:graphicData uri="http://schemas.openxmlformats.org/presentationml/2006/ole">
             <mc:AlternateContent xmlns:mc="http://schemas.openxmlformats.org/markup-compatibility/2006">
               <mc:Choice xmlns:v="urn:schemas-microsoft-com:vml" Requires="v">
-                <p:oleObj spid="_x0000_s30781" name="Equation" r:id="rId8" imgW="3378200" imgH="622300" progId="Equation.3">
+                <p:oleObj spid="_x0000_s30787" name="Equation" r:id="rId8" imgW="3378200" imgH="622300" progId="Equation.3">
                   <p:embed/>
                 </p:oleObj>
               </mc:Choice>
@@ -7473,7 +7434,7 @@
           <a:graphicData uri="http://schemas.openxmlformats.org/presentationml/2006/ole">
             <mc:AlternateContent xmlns:mc="http://schemas.openxmlformats.org/markup-compatibility/2006">
               <mc:Choice xmlns:v="urn:schemas-microsoft-com:vml" Requires="v">
-                <p:oleObj spid="_x0000_s30782" name="Equation" r:id="rId10" imgW="1244600" imgH="736600" progId="Equation.3">
+                <p:oleObj spid="_x0000_s30788" name="Equation" r:id="rId10" imgW="1244600" imgH="736600" progId="Equation.3">
                   <p:embed/>
                 </p:oleObj>
               </mc:Choice>
@@ -7530,7 +7491,7 @@
           <a:graphicData uri="http://schemas.openxmlformats.org/presentationml/2006/ole">
             <mc:AlternateContent xmlns:mc="http://schemas.openxmlformats.org/markup-compatibility/2006">
               <mc:Choice xmlns:v="urn:schemas-microsoft-com:vml" Requires="v">
-                <p:oleObj spid="_x0000_s30783" name="Equation" r:id="rId12" imgW="2006600" imgH="482600" progId="Equation.3">
+                <p:oleObj spid="_x0000_s30789" name="Equation" r:id="rId12" imgW="2006600" imgH="482600" progId="Equation.3">
                   <p:embed/>
                 </p:oleObj>
               </mc:Choice>
@@ -7953,7 +7914,7 @@
           <a:graphicData uri="http://schemas.openxmlformats.org/presentationml/2006/ole">
             <mc:AlternateContent xmlns:mc="http://schemas.openxmlformats.org/markup-compatibility/2006">
               <mc:Choice xmlns:v="urn:schemas-microsoft-com:vml" Requires="v">
-                <p:oleObj spid="_x0000_s31798" name="Equation" r:id="rId4" imgW="1562100" imgH="482600" progId="Equation.3">
+                <p:oleObj spid="_x0000_s31804" name="Equation" r:id="rId4" imgW="1562100" imgH="482600" progId="Equation.3">
                   <p:embed/>
                 </p:oleObj>
               </mc:Choice>
@@ -8010,7 +7971,7 @@
           <a:graphicData uri="http://schemas.openxmlformats.org/presentationml/2006/ole">
             <mc:AlternateContent xmlns:mc="http://schemas.openxmlformats.org/markup-compatibility/2006">
               <mc:Choice xmlns:v="urn:schemas-microsoft-com:vml" Requires="v">
-                <p:oleObj spid="_x0000_s31799" name="Equation" r:id="rId6" imgW="901700" imgH="292100" progId="Equation.3">
+                <p:oleObj spid="_x0000_s31805" name="Equation" r:id="rId6" imgW="901700" imgH="292100" progId="Equation.3">
                   <p:embed/>
                 </p:oleObj>
               </mc:Choice>
@@ -8067,7 +8028,7 @@
           <a:graphicData uri="http://schemas.openxmlformats.org/presentationml/2006/ole">
             <mc:AlternateContent xmlns:mc="http://schemas.openxmlformats.org/markup-compatibility/2006">
               <mc:Choice xmlns:v="urn:schemas-microsoft-com:vml" Requires="v">
-                <p:oleObj spid="_x0000_s31800" name="Equation" r:id="rId8" imgW="1206500" imgH="736600" progId="Equation.3">
+                <p:oleObj spid="_x0000_s31806" name="Equation" r:id="rId8" imgW="1206500" imgH="736600" progId="Equation.3">
                   <p:embed/>
                 </p:oleObj>
               </mc:Choice>
@@ -8124,7 +8085,7 @@
           <a:graphicData uri="http://schemas.openxmlformats.org/presentationml/2006/ole">
             <mc:AlternateContent xmlns:mc="http://schemas.openxmlformats.org/markup-compatibility/2006">
               <mc:Choice xmlns:v="urn:schemas-microsoft-com:vml" Requires="v">
-                <p:oleObj spid="_x0000_s31801" name="Equation" r:id="rId10" imgW="1447800" imgH="431800" progId="Equation.3">
+                <p:oleObj spid="_x0000_s31807" name="Equation" r:id="rId10" imgW="1447800" imgH="431800" progId="Equation.3">
                   <p:embed/>
                 </p:oleObj>
               </mc:Choice>
@@ -8181,7 +8142,7 @@
           <a:graphicData uri="http://schemas.openxmlformats.org/presentationml/2006/ole">
             <mc:AlternateContent xmlns:mc="http://schemas.openxmlformats.org/markup-compatibility/2006">
               <mc:Choice xmlns:v="urn:schemas-microsoft-com:vml" Requires="v">
-                <p:oleObj spid="_x0000_s31802" name="Equation" r:id="rId12" imgW="1993900" imgH="431800" progId="Equation.3">
+                <p:oleObj spid="_x0000_s31808" name="Equation" r:id="rId12" imgW="1993900" imgH="431800" progId="Equation.3">
                   <p:embed/>
                 </p:oleObj>
               </mc:Choice>
@@ -8582,13 +8543,6 @@
               </a:rPr>
               <a:t>     </a:t>
             </a:r>
-            <a:endParaRPr lang="en-US" dirty="0" smtClean="0">
-              <a:solidFill>
-                <a:schemeClr val="accent1">
-                  <a:lumMod val="75000"/>
-                </a:schemeClr>
-              </a:solidFill>
-            </a:endParaRPr>
           </a:p>
           <a:p>
             <a:endParaRPr lang="en-US" dirty="0">
@@ -8722,7 +8676,7 @@
           <a:graphicData uri="http://schemas.openxmlformats.org/presentationml/2006/ole">
             <mc:AlternateContent xmlns:mc="http://schemas.openxmlformats.org/markup-compatibility/2006">
               <mc:Choice xmlns:v="urn:schemas-microsoft-com:vml" Requires="v">
-                <p:oleObj spid="_x0000_s33809" name="Equation" r:id="rId4" imgW="3822700" imgH="1409700" progId="Equation.3">
+                <p:oleObj spid="_x0000_s33811" name="Equation" r:id="rId4" imgW="3822700" imgH="1409700" progId="Equation.3">
                   <p:embed/>
                 </p:oleObj>
               </mc:Choice>
@@ -9005,13 +8959,6 @@
               </a:rPr>
               <a:t>     </a:t>
             </a:r>
-            <a:endParaRPr lang="en-US" dirty="0" smtClean="0">
-              <a:solidFill>
-                <a:schemeClr val="accent1">
-                  <a:lumMod val="75000"/>
-                </a:schemeClr>
-              </a:solidFill>
-            </a:endParaRPr>
           </a:p>
           <a:p>
             <a:endParaRPr lang="en-US" dirty="0">
@@ -9145,7 +9092,7 @@
           <a:graphicData uri="http://schemas.openxmlformats.org/presentationml/2006/ole">
             <mc:AlternateContent xmlns:mc="http://schemas.openxmlformats.org/markup-compatibility/2006">
               <mc:Choice xmlns:v="urn:schemas-microsoft-com:vml" Requires="v">
-                <p:oleObj spid="_x0000_s35842" name="Equation" r:id="rId4" imgW="3784600" imgH="1409700" progId="Equation.3">
+                <p:oleObj spid="_x0000_s35844" name="Equation" r:id="rId4" imgW="3784600" imgH="1409700" progId="Equation.3">
                   <p:embed/>
                 </p:oleObj>
               </mc:Choice>
@@ -9428,13 +9375,6 @@
               </a:rPr>
               <a:t>     </a:t>
             </a:r>
-            <a:endParaRPr lang="en-US" dirty="0" smtClean="0">
-              <a:solidFill>
-                <a:schemeClr val="accent1">
-                  <a:lumMod val="75000"/>
-                </a:schemeClr>
-              </a:solidFill>
-            </a:endParaRPr>
           </a:p>
           <a:p>
             <a:endParaRPr lang="en-US" dirty="0">
@@ -9568,7 +9508,7 @@
           <a:graphicData uri="http://schemas.openxmlformats.org/presentationml/2006/ole">
             <mc:AlternateContent xmlns:mc="http://schemas.openxmlformats.org/markup-compatibility/2006">
               <mc:Choice xmlns:v="urn:schemas-microsoft-com:vml" Requires="v">
-                <p:oleObj spid="_x0000_s36869" name="Equation" r:id="rId4" imgW="3162300" imgH="292100" progId="Equation.3">
+                <p:oleObj spid="_x0000_s36872" name="Equation" r:id="rId4" imgW="3162300" imgH="292100" progId="Equation.3">
                   <p:embed/>
                 </p:oleObj>
               </mc:Choice>
@@ -9625,7 +9565,7 @@
           <a:graphicData uri="http://schemas.openxmlformats.org/presentationml/2006/ole">
             <mc:AlternateContent xmlns:mc="http://schemas.openxmlformats.org/markup-compatibility/2006">
               <mc:Choice xmlns:v="urn:schemas-microsoft-com:vml" Requires="v">
-                <p:oleObj spid="_x0000_s36870" name="Equation" r:id="rId6" imgW="3797300" imgH="1282700" progId="Equation.3">
+                <p:oleObj spid="_x0000_s36873" name="Equation" r:id="rId6" imgW="3797300" imgH="1282700" progId="Equation.3">
                   <p:embed/>
                 </p:oleObj>
               </mc:Choice>
@@ -9972,13 +9912,6 @@
               </a:rPr>
               <a:t>     </a:t>
             </a:r>
-            <a:endParaRPr lang="en-US" dirty="0" smtClean="0">
-              <a:solidFill>
-                <a:schemeClr val="accent1">
-                  <a:lumMod val="75000"/>
-                </a:schemeClr>
-              </a:solidFill>
-            </a:endParaRPr>
           </a:p>
           <a:p>
             <a:endParaRPr lang="en-US" dirty="0">
@@ -10040,7 +9973,7 @@
           <a:graphicData uri="http://schemas.openxmlformats.org/presentationml/2006/ole">
             <mc:AlternateContent xmlns:mc="http://schemas.openxmlformats.org/markup-compatibility/2006">
               <mc:Choice xmlns:v="urn:schemas-microsoft-com:vml" Requires="v">
-                <p:oleObj spid="_x0000_s37892" name="Equation" r:id="rId4" imgW="3251200" imgH="1066800" progId="Equation.3">
+                <p:oleObj spid="_x0000_s37895" name="Equation" r:id="rId4" imgW="3251200" imgH="1066800" progId="Equation.3">
                   <p:embed/>
                 </p:oleObj>
               </mc:Choice>
@@ -10097,7 +10030,7 @@
           <a:graphicData uri="http://schemas.openxmlformats.org/presentationml/2006/ole">
             <mc:AlternateContent xmlns:mc="http://schemas.openxmlformats.org/markup-compatibility/2006">
               <mc:Choice xmlns:v="urn:schemas-microsoft-com:vml" Requires="v">
-                <p:oleObj spid="_x0000_s37893" name="Equation" r:id="rId6" imgW="1206500" imgH="736600" progId="Equation.3">
+                <p:oleObj spid="_x0000_s37896" name="Equation" r:id="rId6" imgW="1206500" imgH="736600" progId="Equation.3">
                   <p:embed/>
                 </p:oleObj>
               </mc:Choice>
